--- a/CalendarioAgo21/Presentaciones/3_2_ProtocolosInterfacesOSI.pptx
+++ b/CalendarioAgo21/Presentaciones/3_2_ProtocolosInterfacesOSI.pptx
@@ -5,7 +5,7 @@
     <p:sldMasterId id="2147483648" r:id="rId1"/>
   </p:sldMasterIdLst>
   <p:notesMasterIdLst>
-    <p:notesMasterId r:id="rId31"/>
+    <p:notesMasterId r:id="rId32"/>
   </p:notesMasterIdLst>
   <p:sldIdLst>
     <p:sldId id="257" r:id="rId2"/>
@@ -31,12 +31,13 @@
     <p:sldId id="275" r:id="rId22"/>
     <p:sldId id="282" r:id="rId23"/>
     <p:sldId id="276" r:id="rId24"/>
-    <p:sldId id="284" r:id="rId25"/>
-    <p:sldId id="277" r:id="rId26"/>
-    <p:sldId id="283" r:id="rId27"/>
-    <p:sldId id="281" r:id="rId28"/>
-    <p:sldId id="278" r:id="rId29"/>
-    <p:sldId id="279" r:id="rId30"/>
+    <p:sldId id="1042" r:id="rId25"/>
+    <p:sldId id="284" r:id="rId26"/>
+    <p:sldId id="277" r:id="rId27"/>
+    <p:sldId id="283" r:id="rId28"/>
+    <p:sldId id="281" r:id="rId29"/>
+    <p:sldId id="278" r:id="rId30"/>
+    <p:sldId id="279" r:id="rId31"/>
   </p:sldIdLst>
   <p:sldSz cx="9144000" cy="6858000" type="screen4x3"/>
   <p:notesSz cx="6858000" cy="9144000"/>
@@ -236,7 +237,7 @@
           <a:p>
             <a:fld id="{2D445F07-8756-451B-A938-0248325FC7BB}" type="datetimeFigureOut">
               <a:rPr lang="es-MX" smtClean="0"/>
-              <a:t>20/02/2020</a:t>
+              <a:t>20/08/2021</a:t>
             </a:fld>
             <a:endParaRPr lang="es-MX" dirty="0"/>
           </a:p>
@@ -607,6 +608,109 @@
       </p:grpSpPr>
       <p:sp>
         <p:nvSpPr>
+          <p:cNvPr id="2" name="Marcador de imagen de diapositiva 1"/>
+          <p:cNvSpPr>
+            <a:spLocks noGrp="1" noRot="1" noChangeAspect="1"/>
+          </p:cNvSpPr>
+          <p:nvPr>
+            <p:ph type="sldImg"/>
+          </p:nvPr>
+        </p:nvSpPr>
+        <p:spPr/>
+      </p:sp>
+      <p:sp>
+        <p:nvSpPr>
+          <p:cNvPr id="3" name="Marcador de notas 2"/>
+          <p:cNvSpPr>
+            <a:spLocks noGrp="1"/>
+          </p:cNvSpPr>
+          <p:nvPr>
+            <p:ph type="body" idx="1"/>
+          </p:nvPr>
+        </p:nvSpPr>
+        <p:spPr/>
+        <p:txBody>
+          <a:bodyPr/>
+          <a:lstStyle/>
+          <a:p>
+            <a:pPr marL="1200150" lvl="2" indent="-285750">
+              <a:lnSpc>
+                <a:spcPts val="2800"/>
+              </a:lnSpc>
+              <a:buFont typeface="Courier New" panose="02070309020205020404" pitchFamily="49" charset="0"/>
+              <a:buChar char="o"/>
+            </a:pPr>
+            <a:r>
+              <a:rPr lang="es-MX" sz="1800" dirty="0" err="1">
+                <a:latin typeface="ZapfHumnst BT"/>
+              </a:rPr>
+              <a:t>Streaming</a:t>
+            </a:r>
+            <a:r>
+              <a:rPr lang="es-MX" sz="1800" dirty="0">
+                <a:latin typeface="ZapfHumnst BT"/>
+              </a:rPr>
+              <a:t> video (distribución digital de contenido multimedia a través de una red de computadoras, de manera que el usuario utiliza el producto a la vez que se descarga. La palabra retransmisión se refiere a una corriente continua que fluye sin interrupción, y habitualmente a la difusión de audio o vídeo)</a:t>
+            </a:r>
+            <a:endParaRPr lang="es-MX" dirty="0"/>
+          </a:p>
+        </p:txBody>
+      </p:sp>
+      <p:sp>
+        <p:nvSpPr>
+          <p:cNvPr id="4" name="Marcador de número de diapositiva 3"/>
+          <p:cNvSpPr>
+            <a:spLocks noGrp="1"/>
+          </p:cNvSpPr>
+          <p:nvPr>
+            <p:ph type="sldNum" sz="quarter" idx="10"/>
+          </p:nvPr>
+        </p:nvSpPr>
+        <p:spPr/>
+        <p:txBody>
+          <a:bodyPr/>
+          <a:lstStyle/>
+          <a:p>
+            <a:fld id="{5993AEC0-242E-4FA7-9D3C-51E1036AC3CB}" type="slidenum">
+              <a:rPr lang="es-MX" smtClean="0"/>
+              <a:t>27</a:t>
+            </a:fld>
+            <a:endParaRPr lang="es-MX" dirty="0"/>
+          </a:p>
+        </p:txBody>
+      </p:sp>
+    </p:spTree>
+    <p:extLst>
+      <p:ext uri="{BB962C8B-B14F-4D97-AF65-F5344CB8AC3E}">
+        <p14:creationId xmlns:p14="http://schemas.microsoft.com/office/powerpoint/2010/main" val="2997307906"/>
+      </p:ext>
+    </p:extLst>
+  </p:cSld>
+  <p:clrMapOvr>
+    <a:masterClrMapping/>
+  </p:clrMapOvr>
+</p:notes>
+</file>
+
+<file path=ppt/notesSlides/notesSlide11.xml><?xml version="1.0" encoding="utf-8"?>
+<p:notes xmlns:a="http://schemas.openxmlformats.org/drawingml/2006/main" xmlns:r="http://schemas.openxmlformats.org/officeDocument/2006/relationships" xmlns:p="http://schemas.openxmlformats.org/presentationml/2006/main">
+  <p:cSld>
+    <p:spTree>
+      <p:nvGrpSpPr>
+        <p:cNvPr id="1" name=""/>
+        <p:cNvGrpSpPr/>
+        <p:nvPr/>
+      </p:nvGrpSpPr>
+      <p:grpSpPr>
+        <a:xfrm>
+          <a:off x="0" y="0"/>
+          <a:ext cx="0" cy="0"/>
+          <a:chOff x="0" y="0"/>
+          <a:chExt cx="0" cy="0"/>
+        </a:xfrm>
+      </p:grpSpPr>
+      <p:sp>
+        <p:nvSpPr>
           <p:cNvPr id="29698" name="1 Marcador de imagen de diapositiva"/>
           <p:cNvSpPr>
             <a:spLocks noGrp="1" noRot="1" noChangeAspect="1" noTextEdit="1"/>
@@ -825,7 +929,7 @@
             <a:fld id="{874B767B-5A6A-4E3E-B358-373E6C3B7CFA}" type="slidenum">
               <a:rPr lang="es-MX" sz="1200" smtClean="0"/>
               <a:pPr/>
-              <a:t>28</a:t>
+              <a:t>29</a:t>
             </a:fld>
             <a:endParaRPr lang="es-MX" sz="1200"/>
           </a:p>
@@ -844,7 +948,7 @@
 </p:notes>
 </file>
 
-<file path=ppt/notesSlides/notesSlide11.xml><?xml version="1.0" encoding="utf-8"?>
+<file path=ppt/notesSlides/notesSlide12.xml><?xml version="1.0" encoding="utf-8"?>
 <p:notes xmlns:a="http://schemas.openxmlformats.org/drawingml/2006/main" xmlns:r="http://schemas.openxmlformats.org/officeDocument/2006/relationships" xmlns:p="http://schemas.openxmlformats.org/presentationml/2006/main">
   <p:cSld>
     <p:spTree>
@@ -1081,7 +1185,7 @@
             <a:fld id="{0608D962-800C-488D-BA7F-1F692CCBC88B}" type="slidenum">
               <a:rPr lang="es-MX" sz="1200" smtClean="0"/>
               <a:pPr/>
-              <a:t>29</a:t>
+              <a:t>30</a:t>
             </a:fld>
             <a:endParaRPr lang="es-MX" sz="1200"/>
           </a:p>
@@ -1883,6 +1987,295 @@
       </p:grpSpPr>
       <p:sp>
         <p:nvSpPr>
+          <p:cNvPr id="22529" name="Rectangle 11"/>
+          <p:cNvSpPr>
+            <a:spLocks noGrp="1" noChangeArrowheads="1"/>
+          </p:cNvSpPr>
+          <p:nvPr>
+            <p:ph type="sldNum" sz="quarter" idx="5"/>
+          </p:nvPr>
+        </p:nvSpPr>
+        <p:spPr>
+          <a:noFill/>
+          <a:ln/>
+          <a:extLst>
+            <a:ext uri="{909E8E84-426E-40DD-AFC4-6F175D3DCCD1}">
+              <a14:hiddenFill xmlns:a14="http://schemas.microsoft.com/office/drawing/2010/main">
+                <a:solidFill>
+                  <a:srgbClr val="FFFFFF"/>
+                </a:solidFill>
+              </a14:hiddenFill>
+            </a:ext>
+            <a:ext uri="{91240B29-F687-4F45-9708-019B960494DF}">
+              <a14:hiddenLine xmlns:a14="http://schemas.microsoft.com/office/drawing/2010/main" w="9525">
+                <a:solidFill>
+                  <a:srgbClr val="000000"/>
+                </a:solidFill>
+                <a:miter lim="800000"/>
+                <a:headEnd/>
+                <a:tailEnd/>
+              </a14:hiddenLine>
+            </a:ext>
+          </a:extLst>
+        </p:spPr>
+        <p:txBody>
+          <a:bodyPr/>
+          <a:lstStyle>
+            <a:lvl1pPr defTabSz="903288">
+              <a:defRPr sz="2400">
+                <a:solidFill>
+                  <a:schemeClr val="tx1"/>
+                </a:solidFill>
+                <a:latin typeface="Arial" charset="0"/>
+                <a:ea typeface="ＭＳ Ｐゴシック" charset="0"/>
+                <a:cs typeface="ＭＳ Ｐゴシック" charset="0"/>
+              </a:defRPr>
+            </a:lvl1pPr>
+            <a:lvl2pPr marL="742950" indent="-285750" defTabSz="903288">
+              <a:defRPr sz="2400">
+                <a:solidFill>
+                  <a:schemeClr val="tx1"/>
+                </a:solidFill>
+                <a:latin typeface="Arial" charset="0"/>
+                <a:ea typeface="ＭＳ Ｐゴシック" charset="0"/>
+              </a:defRPr>
+            </a:lvl2pPr>
+            <a:lvl3pPr marL="1143000" indent="-228600" defTabSz="903288">
+              <a:defRPr sz="2400">
+                <a:solidFill>
+                  <a:schemeClr val="tx1"/>
+                </a:solidFill>
+                <a:latin typeface="Arial" charset="0"/>
+                <a:ea typeface="ＭＳ Ｐゴシック" charset="0"/>
+              </a:defRPr>
+            </a:lvl3pPr>
+            <a:lvl4pPr marL="1600200" indent="-228600" defTabSz="903288">
+              <a:defRPr sz="2400">
+                <a:solidFill>
+                  <a:schemeClr val="tx1"/>
+                </a:solidFill>
+                <a:latin typeface="Arial" charset="0"/>
+                <a:ea typeface="ＭＳ Ｐゴシック" charset="0"/>
+              </a:defRPr>
+            </a:lvl4pPr>
+            <a:lvl5pPr marL="2057400" indent="-228600" defTabSz="903288">
+              <a:defRPr sz="2400">
+                <a:solidFill>
+                  <a:schemeClr val="tx1"/>
+                </a:solidFill>
+                <a:latin typeface="Arial" charset="0"/>
+                <a:ea typeface="ＭＳ Ｐゴシック" charset="0"/>
+              </a:defRPr>
+            </a:lvl5pPr>
+            <a:lvl6pPr marL="2514600" indent="-228600" algn="ctr" defTabSz="903288" eaLnBrk="0" fontAlgn="base" hangingPunct="0">
+              <a:lnSpc>
+                <a:spcPct val="90000"/>
+              </a:lnSpc>
+              <a:spcBef>
+                <a:spcPct val="0"/>
+              </a:spcBef>
+              <a:spcAft>
+                <a:spcPct val="0"/>
+              </a:spcAft>
+              <a:defRPr sz="2400">
+                <a:solidFill>
+                  <a:schemeClr val="tx1"/>
+                </a:solidFill>
+                <a:latin typeface="Arial" charset="0"/>
+                <a:ea typeface="ＭＳ Ｐゴシック" charset="0"/>
+              </a:defRPr>
+            </a:lvl6pPr>
+            <a:lvl7pPr marL="2971800" indent="-228600" algn="ctr" defTabSz="903288" eaLnBrk="0" fontAlgn="base" hangingPunct="0">
+              <a:lnSpc>
+                <a:spcPct val="90000"/>
+              </a:lnSpc>
+              <a:spcBef>
+                <a:spcPct val="0"/>
+              </a:spcBef>
+              <a:spcAft>
+                <a:spcPct val="0"/>
+              </a:spcAft>
+              <a:defRPr sz="2400">
+                <a:solidFill>
+                  <a:schemeClr val="tx1"/>
+                </a:solidFill>
+                <a:latin typeface="Arial" charset="0"/>
+                <a:ea typeface="ＭＳ Ｐゴシック" charset="0"/>
+              </a:defRPr>
+            </a:lvl7pPr>
+            <a:lvl8pPr marL="3429000" indent="-228600" algn="ctr" defTabSz="903288" eaLnBrk="0" fontAlgn="base" hangingPunct="0">
+              <a:lnSpc>
+                <a:spcPct val="90000"/>
+              </a:lnSpc>
+              <a:spcBef>
+                <a:spcPct val="0"/>
+              </a:spcBef>
+              <a:spcAft>
+                <a:spcPct val="0"/>
+              </a:spcAft>
+              <a:defRPr sz="2400">
+                <a:solidFill>
+                  <a:schemeClr val="tx1"/>
+                </a:solidFill>
+                <a:latin typeface="Arial" charset="0"/>
+                <a:ea typeface="ＭＳ Ｐゴシック" charset="0"/>
+              </a:defRPr>
+            </a:lvl8pPr>
+            <a:lvl9pPr marL="3886200" indent="-228600" algn="ctr" defTabSz="903288" eaLnBrk="0" fontAlgn="base" hangingPunct="0">
+              <a:lnSpc>
+                <a:spcPct val="90000"/>
+              </a:lnSpc>
+              <a:spcBef>
+                <a:spcPct val="0"/>
+              </a:spcBef>
+              <a:spcAft>
+                <a:spcPct val="0"/>
+              </a:spcAft>
+              <a:defRPr sz="2400">
+                <a:solidFill>
+                  <a:schemeClr val="tx1"/>
+                </a:solidFill>
+                <a:latin typeface="Arial" charset="0"/>
+                <a:ea typeface="ＭＳ Ｐゴシック" charset="0"/>
+              </a:defRPr>
+            </a:lvl9pPr>
+          </a:lstStyle>
+          <a:p>
+            <a:fld id="{3997A419-355F-A04A-96E0-21643AF8E9FF}" type="slidenum">
+              <a:rPr lang="en-US" sz="800"/>
+              <a:pPr/>
+              <a:t>24</a:t>
+            </a:fld>
+            <a:endParaRPr lang="es-ES" sz="800"/>
+          </a:p>
+        </p:txBody>
+      </p:sp>
+      <p:sp>
+        <p:nvSpPr>
+          <p:cNvPr id="22530" name="Rectangle 2"/>
+          <p:cNvSpPr>
+            <a:spLocks noGrp="1" noRot="1" noChangeAspect="1" noChangeArrowheads="1" noTextEdit="1"/>
+          </p:cNvSpPr>
+          <p:nvPr>
+            <p:ph type="sldImg"/>
+          </p:nvPr>
+        </p:nvSpPr>
+        <p:spPr>
+          <a:ln/>
+        </p:spPr>
+      </p:sp>
+      <p:sp>
+        <p:nvSpPr>
+          <p:cNvPr id="22531" name="Rectangle 3"/>
+          <p:cNvSpPr>
+            <a:spLocks noGrp="1" noChangeArrowheads="1"/>
+          </p:cNvSpPr>
+          <p:nvPr>
+            <p:ph type="body" idx="1"/>
+          </p:nvPr>
+        </p:nvSpPr>
+        <p:spPr>
+          <a:noFill/>
+          <a:ln/>
+          <a:extLst>
+            <a:ext uri="{909E8E84-426E-40DD-AFC4-6F175D3DCCD1}">
+              <a14:hiddenFill xmlns:a14="http://schemas.microsoft.com/office/drawing/2010/main">
+                <a:solidFill>
+                  <a:srgbClr val="FFFFFF"/>
+                </a:solidFill>
+              </a14:hiddenFill>
+            </a:ext>
+            <a:ext uri="{91240B29-F687-4F45-9708-019B960494DF}">
+              <a14:hiddenLine xmlns:a14="http://schemas.microsoft.com/office/drawing/2010/main" w="9525">
+                <a:solidFill>
+                  <a:srgbClr val="000000"/>
+                </a:solidFill>
+                <a:miter lim="800000"/>
+                <a:headEnd/>
+                <a:tailEnd/>
+              </a14:hiddenLine>
+            </a:ext>
+          </a:extLst>
+        </p:spPr>
+        <p:txBody>
+          <a:bodyPr/>
+          <a:lstStyle/>
+          <a:p>
+            <a:pPr>
+              <a:buFontTx/>
+              <a:buNone/>
+            </a:pPr>
+            <a:r>
+              <a:rPr lang="es-ES" b="0" dirty="0"/>
+              <a:t>1.1 – Configuración inicial del router</a:t>
+            </a:r>
+          </a:p>
+          <a:p>
+            <a:pPr>
+              <a:buFontTx/>
+              <a:buNone/>
+            </a:pPr>
+            <a:r>
+              <a:rPr lang="es-ES" b="0" baseline="0" dirty="0"/>
+              <a:t>1.1.2 – Conectar dispositivos</a:t>
+            </a:r>
+            <a:endParaRPr lang="es-ES" dirty="0"/>
+          </a:p>
+          <a:p>
+            <a:pPr>
+              <a:lnSpc>
+                <a:spcPct val="80000"/>
+              </a:lnSpc>
+              <a:buFontTx/>
+              <a:buNone/>
+            </a:pPr>
+            <a:r>
+              <a:rPr lang="es-ES" dirty="0"/>
+              <a:t>1.1.2.2 – </a:t>
+            </a:r>
+            <a:r>
+              <a:rPr lang="es-ES" dirty="0" err="1"/>
+              <a:t>Gateways</a:t>
+            </a:r>
+            <a:r>
+              <a:rPr lang="es-ES" dirty="0"/>
+              <a:t> predeterminados</a:t>
+            </a:r>
+          </a:p>
+        </p:txBody>
+      </p:sp>
+    </p:spTree>
+    <p:extLst>
+      <p:ext uri="{BB962C8B-B14F-4D97-AF65-F5344CB8AC3E}">
+        <p14:creationId xmlns:p14="http://schemas.microsoft.com/office/powerpoint/2010/main" val="1330000578"/>
+      </p:ext>
+    </p:extLst>
+  </p:cSld>
+  <p:clrMapOvr>
+    <a:masterClrMapping/>
+  </p:clrMapOvr>
+</p:notes>
+</file>
+
+<file path=ppt/notesSlides/notesSlide8.xml><?xml version="1.0" encoding="utf-8"?>
+<p:notes xmlns:a="http://schemas.openxmlformats.org/drawingml/2006/main" xmlns:r="http://schemas.openxmlformats.org/officeDocument/2006/relationships" xmlns:p="http://schemas.openxmlformats.org/presentationml/2006/main">
+  <p:cSld>
+    <p:spTree>
+      <p:nvGrpSpPr>
+        <p:cNvPr id="1" name=""/>
+        <p:cNvGrpSpPr/>
+        <p:nvPr/>
+      </p:nvGrpSpPr>
+      <p:grpSpPr>
+        <a:xfrm>
+          <a:off x="0" y="0"/>
+          <a:ext cx="0" cy="0"/>
+          <a:chOff x="0" y="0"/>
+          <a:chExt cx="0" cy="0"/>
+        </a:xfrm>
+      </p:grpSpPr>
+      <p:sp>
+        <p:nvSpPr>
           <p:cNvPr id="2" name="Marcador de imagen de diapositiva 1"/>
           <p:cNvSpPr>
             <a:spLocks noGrp="1" noRot="1" noChangeAspect="1"/>
@@ -2001,7 +2394,7 @@
           <a:p>
             <a:fld id="{5993AEC0-242E-4FA7-9D3C-51E1036AC3CB}" type="slidenum">
               <a:rPr lang="es-MX" smtClean="0"/>
-              <a:t>24</a:t>
+              <a:t>25</a:t>
             </a:fld>
             <a:endParaRPr lang="es-MX" dirty="0"/>
           </a:p>
@@ -2020,7 +2413,7 @@
 </p:notes>
 </file>
 
-<file path=ppt/notesSlides/notesSlide8.xml><?xml version="1.0" encoding="utf-8"?>
+<file path=ppt/notesSlides/notesSlide9.xml><?xml version="1.0" encoding="utf-8"?>
 <p:notes xmlns:a="http://schemas.openxmlformats.org/drawingml/2006/main" xmlns:r="http://schemas.openxmlformats.org/officeDocument/2006/relationships" xmlns:p="http://schemas.openxmlformats.org/presentationml/2006/main">
   <p:cSld>
     <p:spTree>
@@ -2092,7 +2485,7 @@
           <a:p>
             <a:fld id="{5993AEC0-242E-4FA7-9D3C-51E1036AC3CB}" type="slidenum">
               <a:rPr lang="es-MX" smtClean="0"/>
-              <a:t>25</a:t>
+              <a:t>26</a:t>
             </a:fld>
             <a:endParaRPr lang="es-MX" dirty="0"/>
           </a:p>
@@ -2102,109 +2495,6 @@
     <p:extLst>
       <p:ext uri="{BB962C8B-B14F-4D97-AF65-F5344CB8AC3E}">
         <p14:creationId xmlns:p14="http://schemas.microsoft.com/office/powerpoint/2010/main" val="207861926"/>
-      </p:ext>
-    </p:extLst>
-  </p:cSld>
-  <p:clrMapOvr>
-    <a:masterClrMapping/>
-  </p:clrMapOvr>
-</p:notes>
-</file>
-
-<file path=ppt/notesSlides/notesSlide9.xml><?xml version="1.0" encoding="utf-8"?>
-<p:notes xmlns:a="http://schemas.openxmlformats.org/drawingml/2006/main" xmlns:r="http://schemas.openxmlformats.org/officeDocument/2006/relationships" xmlns:p="http://schemas.openxmlformats.org/presentationml/2006/main">
-  <p:cSld>
-    <p:spTree>
-      <p:nvGrpSpPr>
-        <p:cNvPr id="1" name=""/>
-        <p:cNvGrpSpPr/>
-        <p:nvPr/>
-      </p:nvGrpSpPr>
-      <p:grpSpPr>
-        <a:xfrm>
-          <a:off x="0" y="0"/>
-          <a:ext cx="0" cy="0"/>
-          <a:chOff x="0" y="0"/>
-          <a:chExt cx="0" cy="0"/>
-        </a:xfrm>
-      </p:grpSpPr>
-      <p:sp>
-        <p:nvSpPr>
-          <p:cNvPr id="2" name="Marcador de imagen de diapositiva 1"/>
-          <p:cNvSpPr>
-            <a:spLocks noGrp="1" noRot="1" noChangeAspect="1"/>
-          </p:cNvSpPr>
-          <p:nvPr>
-            <p:ph type="sldImg"/>
-          </p:nvPr>
-        </p:nvSpPr>
-        <p:spPr/>
-      </p:sp>
-      <p:sp>
-        <p:nvSpPr>
-          <p:cNvPr id="3" name="Marcador de notas 2"/>
-          <p:cNvSpPr>
-            <a:spLocks noGrp="1"/>
-          </p:cNvSpPr>
-          <p:nvPr>
-            <p:ph type="body" idx="1"/>
-          </p:nvPr>
-        </p:nvSpPr>
-        <p:spPr/>
-        <p:txBody>
-          <a:bodyPr/>
-          <a:lstStyle/>
-          <a:p>
-            <a:pPr marL="1200150" lvl="2" indent="-285750">
-              <a:lnSpc>
-                <a:spcPts val="2800"/>
-              </a:lnSpc>
-              <a:buFont typeface="Courier New" panose="02070309020205020404" pitchFamily="49" charset="0"/>
-              <a:buChar char="o"/>
-            </a:pPr>
-            <a:r>
-              <a:rPr lang="es-MX" sz="1800" dirty="0" err="1">
-                <a:latin typeface="ZapfHumnst BT"/>
-              </a:rPr>
-              <a:t>Streaming</a:t>
-            </a:r>
-            <a:r>
-              <a:rPr lang="es-MX" sz="1800" dirty="0">
-                <a:latin typeface="ZapfHumnst BT"/>
-              </a:rPr>
-              <a:t> video (distribución digital de contenido multimedia a través de una red de computadoras, de manera que el usuario utiliza el producto a la vez que se descarga. La palabra retransmisión se refiere a una corriente continua que fluye sin interrupción, y habitualmente a la difusión de audio o vídeo)</a:t>
-            </a:r>
-            <a:endParaRPr lang="es-MX" dirty="0"/>
-          </a:p>
-        </p:txBody>
-      </p:sp>
-      <p:sp>
-        <p:nvSpPr>
-          <p:cNvPr id="4" name="Marcador de número de diapositiva 3"/>
-          <p:cNvSpPr>
-            <a:spLocks noGrp="1"/>
-          </p:cNvSpPr>
-          <p:nvPr>
-            <p:ph type="sldNum" sz="quarter" idx="10"/>
-          </p:nvPr>
-        </p:nvSpPr>
-        <p:spPr/>
-        <p:txBody>
-          <a:bodyPr/>
-          <a:lstStyle/>
-          <a:p>
-            <a:fld id="{5993AEC0-242E-4FA7-9D3C-51E1036AC3CB}" type="slidenum">
-              <a:rPr lang="es-MX" smtClean="0"/>
-              <a:t>26</a:t>
-            </a:fld>
-            <a:endParaRPr lang="es-MX" dirty="0"/>
-          </a:p>
-        </p:txBody>
-      </p:sp>
-    </p:spTree>
-    <p:extLst>
-      <p:ext uri="{BB962C8B-B14F-4D97-AF65-F5344CB8AC3E}">
-        <p14:creationId xmlns:p14="http://schemas.microsoft.com/office/powerpoint/2010/main" val="2997307906"/>
       </p:ext>
     </p:extLst>
   </p:cSld>
@@ -2395,7 +2685,7 @@
           <a:p>
             <a:fld id="{5E75A0DC-66C6-4CEC-A5EB-F8C97CEC3796}" type="datetimeFigureOut">
               <a:rPr lang="es-MX" smtClean="0"/>
-              <a:t>20/02/2020</a:t>
+              <a:t>20/08/2021</a:t>
             </a:fld>
             <a:endParaRPr lang="es-MX" dirty="0"/>
           </a:p>
@@ -2565,7 +2855,7 @@
           <a:p>
             <a:fld id="{5E75A0DC-66C6-4CEC-A5EB-F8C97CEC3796}" type="datetimeFigureOut">
               <a:rPr lang="es-MX" smtClean="0"/>
-              <a:t>20/02/2020</a:t>
+              <a:t>20/08/2021</a:t>
             </a:fld>
             <a:endParaRPr lang="es-MX" dirty="0"/>
           </a:p>
@@ -2745,7 +3035,7 @@
           <a:p>
             <a:fld id="{5E75A0DC-66C6-4CEC-A5EB-F8C97CEC3796}" type="datetimeFigureOut">
               <a:rPr lang="es-MX" smtClean="0"/>
-              <a:t>20/02/2020</a:t>
+              <a:t>20/08/2021</a:t>
             </a:fld>
             <a:endParaRPr lang="es-MX" dirty="0"/>
           </a:p>
@@ -2915,7 +3205,7 @@
           <a:p>
             <a:fld id="{5E75A0DC-66C6-4CEC-A5EB-F8C97CEC3796}" type="datetimeFigureOut">
               <a:rPr lang="es-MX" smtClean="0"/>
-              <a:t>20/02/2020</a:t>
+              <a:t>20/08/2021</a:t>
             </a:fld>
             <a:endParaRPr lang="es-MX" dirty="0"/>
           </a:p>
@@ -3161,7 +3451,7 @@
           <a:p>
             <a:fld id="{5E75A0DC-66C6-4CEC-A5EB-F8C97CEC3796}" type="datetimeFigureOut">
               <a:rPr lang="es-MX" smtClean="0"/>
-              <a:t>20/02/2020</a:t>
+              <a:t>20/08/2021</a:t>
             </a:fld>
             <a:endParaRPr lang="es-MX" dirty="0"/>
           </a:p>
@@ -3449,7 +3739,7 @@
           <a:p>
             <a:fld id="{5E75A0DC-66C6-4CEC-A5EB-F8C97CEC3796}" type="datetimeFigureOut">
               <a:rPr lang="es-MX" smtClean="0"/>
-              <a:t>20/02/2020</a:t>
+              <a:t>20/08/2021</a:t>
             </a:fld>
             <a:endParaRPr lang="es-MX" dirty="0"/>
           </a:p>
@@ -3871,7 +4161,7 @@
           <a:p>
             <a:fld id="{5E75A0DC-66C6-4CEC-A5EB-F8C97CEC3796}" type="datetimeFigureOut">
               <a:rPr lang="es-MX" smtClean="0"/>
-              <a:t>20/02/2020</a:t>
+              <a:t>20/08/2021</a:t>
             </a:fld>
             <a:endParaRPr lang="es-MX" dirty="0"/>
           </a:p>
@@ -3989,7 +4279,7 @@
           <a:p>
             <a:fld id="{5E75A0DC-66C6-4CEC-A5EB-F8C97CEC3796}" type="datetimeFigureOut">
               <a:rPr lang="es-MX" smtClean="0"/>
-              <a:t>20/02/2020</a:t>
+              <a:t>20/08/2021</a:t>
             </a:fld>
             <a:endParaRPr lang="es-MX" dirty="0"/>
           </a:p>
@@ -4084,7 +4374,7 @@
           <a:p>
             <a:fld id="{5E75A0DC-66C6-4CEC-A5EB-F8C97CEC3796}" type="datetimeFigureOut">
               <a:rPr lang="es-MX" smtClean="0"/>
-              <a:t>20/02/2020</a:t>
+              <a:t>20/08/2021</a:t>
             </a:fld>
             <a:endParaRPr lang="es-MX" dirty="0"/>
           </a:p>
@@ -4361,7 +4651,7 @@
           <a:p>
             <a:fld id="{5E75A0DC-66C6-4CEC-A5EB-F8C97CEC3796}" type="datetimeFigureOut">
               <a:rPr lang="es-MX" smtClean="0"/>
-              <a:t>20/02/2020</a:t>
+              <a:t>20/08/2021</a:t>
             </a:fld>
             <a:endParaRPr lang="es-MX" dirty="0"/>
           </a:p>
@@ -4614,7 +4904,7 @@
           <a:p>
             <a:fld id="{5E75A0DC-66C6-4CEC-A5EB-F8C97CEC3796}" type="datetimeFigureOut">
               <a:rPr lang="es-MX" smtClean="0"/>
-              <a:t>20/02/2020</a:t>
+              <a:t>20/08/2021</a:t>
             </a:fld>
             <a:endParaRPr lang="es-MX" dirty="0"/>
           </a:p>
@@ -4827,7 +5117,7 @@
           <a:p>
             <a:fld id="{5E75A0DC-66C6-4CEC-A5EB-F8C97CEC3796}" type="datetimeFigureOut">
               <a:rPr lang="es-MX" smtClean="0"/>
-              <a:t>20/02/2020</a:t>
+              <a:t>20/08/2021</a:t>
             </a:fld>
             <a:endParaRPr lang="es-MX" dirty="0"/>
           </a:p>
@@ -17665,12 +17955,12 @@
           <a:graphicData uri="http://schemas.openxmlformats.org/presentationml/2006/ole">
             <mc:AlternateContent xmlns:mc="http://schemas.openxmlformats.org/markup-compatibility/2006">
               <mc:Choice xmlns:v="urn:schemas-microsoft-com:vml" Requires="v">
-                <p:oleObj spid="_x0000_s22565" name="Bitmap Image" r:id="rId4" imgW="1819280" imgH="2552567" progId="PBrush">
+                <p:oleObj name="Bitmap Image" r:id="rId3" imgW="1819280" imgH="2552567" progId="PBrush">
                   <p:embed/>
                 </p:oleObj>
               </mc:Choice>
               <mc:Fallback>
-                <p:oleObj name="Bitmap Image" r:id="rId4" imgW="1819280" imgH="2552567" progId="PBrush">
+                <p:oleObj name="Bitmap Image" r:id="rId3" imgW="1819280" imgH="2552567" progId="PBrush">
                   <p:embed/>
                   <p:pic>
                     <p:nvPicPr>
@@ -17681,7 +17971,7 @@
                       <p:nvPr/>
                     </p:nvPicPr>
                     <p:blipFill>
-                      <a:blip r:embed="rId5">
+                      <a:blip r:embed="rId4">
                         <a:extLst>
                           <a:ext uri="{28A0092B-C50C-407E-A947-70E740481C1C}">
                             <a14:useLocalDpi xmlns:a14="http://schemas.microsoft.com/office/drawing/2010/main" val="0"/>
@@ -18113,7 +18403,7 @@
           <p:nvPr/>
         </p:nvPicPr>
         <p:blipFill>
-          <a:blip r:embed="rId6"/>
+          <a:blip r:embed="rId5"/>
           <a:stretch>
             <a:fillRect/>
           </a:stretch>
@@ -19274,7 +19564,7 @@
           <p:nvPr/>
         </p:nvPicPr>
         <p:blipFill>
-          <a:blip r:embed="rId3"/>
+          <a:blip r:embed="rId2"/>
           <a:stretch>
             <a:fillRect/>
           </a:stretch>
@@ -19634,12 +19924,12 @@
           <a:graphicData uri="http://schemas.openxmlformats.org/presentationml/2006/ole">
             <mc:AlternateContent xmlns:mc="http://schemas.openxmlformats.org/markup-compatibility/2006">
               <mc:Choice xmlns:v="urn:schemas-microsoft-com:vml" Requires="v">
-                <p:oleObj spid="_x0000_s23572" name="Imagen" r:id="rId4" imgW="1077063" imgH="924514" progId="Word.Picture.8">
+                <p:oleObj name="Imagen" r:id="rId3" imgW="1077063" imgH="924514" progId="Word.Picture.8">
                   <p:embed/>
                 </p:oleObj>
               </mc:Choice>
               <mc:Fallback>
-                <p:oleObj name="Imagen" r:id="rId4" imgW="1077063" imgH="924514" progId="Word.Picture.8">
+                <p:oleObj name="Imagen" r:id="rId3" imgW="1077063" imgH="924514" progId="Word.Picture.8">
                   <p:embed/>
                   <p:pic>
                     <p:nvPicPr>
@@ -19650,7 +19940,7 @@
                       <p:nvPr/>
                     </p:nvPicPr>
                     <p:blipFill>
-                      <a:blip r:embed="rId5">
+                      <a:blip r:embed="rId4">
                         <a:extLst>
                           <a:ext uri="{28A0092B-C50C-407E-A947-70E740481C1C}">
                             <a14:useLocalDpi xmlns:a14="http://schemas.microsoft.com/office/drawing/2010/main" val="0"/>
@@ -19692,7 +19982,7 @@
           <p:nvPr/>
         </p:nvPicPr>
         <p:blipFill>
-          <a:blip r:embed="rId6">
+          <a:blip r:embed="rId5">
             <a:extLst>
               <a:ext uri="{28A0092B-C50C-407E-A947-70E740481C1C}">
                 <a14:useLocalDpi xmlns:a14="http://schemas.microsoft.com/office/drawing/2010/main" val="0"/>
@@ -20567,6 +20857,207 @@
           <a:chExt cx="0" cy="0"/>
         </a:xfrm>
       </p:grpSpPr>
+      <p:sp>
+        <p:nvSpPr>
+          <p:cNvPr id="21505" name="Rectangle 2"/>
+          <p:cNvSpPr>
+            <a:spLocks noGrp="1" noChangeArrowheads="1"/>
+          </p:cNvSpPr>
+          <p:nvPr>
+            <p:ph type="title"/>
+          </p:nvPr>
+        </p:nvSpPr>
+        <p:spPr>
+          <a:xfrm>
+            <a:off x="201600" y="396000"/>
+            <a:ext cx="8772157" cy="838200"/>
+          </a:xfrm>
+        </p:spPr>
+        <p:txBody>
+          <a:bodyPr>
+            <a:normAutofit/>
+          </a:bodyPr>
+          <a:lstStyle/>
+          <a:p>
+            <a:pPr eaLnBrk="1" hangingPunct="1"/>
+            <a:r>
+              <a:rPr lang="es-ES" sz="3600" b="1" dirty="0">
+                <a:solidFill>
+                  <a:schemeClr val="accent4">
+                    <a:lumMod val="50000"/>
+                  </a:schemeClr>
+                </a:solidFill>
+                <a:effectLst>
+                  <a:outerShdw blurRad="38100" dist="38100" dir="2700000" algn="tl">
+                    <a:srgbClr val="C0C0C0"/>
+                  </a:outerShdw>
+                </a:effectLst>
+                <a:latin typeface="Dom Casual" charset="0"/>
+              </a:rPr>
+              <a:t>ARP (</a:t>
+            </a:r>
+            <a:r>
+              <a:rPr lang="es-ES" sz="3600" b="1" dirty="0" err="1">
+                <a:solidFill>
+                  <a:schemeClr val="accent4">
+                    <a:lumMod val="50000"/>
+                  </a:schemeClr>
+                </a:solidFill>
+                <a:effectLst>
+                  <a:outerShdw blurRad="38100" dist="38100" dir="2700000" algn="tl">
+                    <a:srgbClr val="C0C0C0"/>
+                  </a:outerShdw>
+                </a:effectLst>
+                <a:latin typeface="Dom Casual" charset="0"/>
+              </a:rPr>
+              <a:t>Address</a:t>
+            </a:r>
+            <a:r>
+              <a:rPr lang="es-ES" sz="3600" b="1" dirty="0">
+                <a:solidFill>
+                  <a:schemeClr val="accent4">
+                    <a:lumMod val="50000"/>
+                  </a:schemeClr>
+                </a:solidFill>
+                <a:effectLst>
+                  <a:outerShdw blurRad="38100" dist="38100" dir="2700000" algn="tl">
+                    <a:srgbClr val="C0C0C0"/>
+                  </a:outerShdw>
+                </a:effectLst>
+                <a:latin typeface="Dom Casual" charset="0"/>
+              </a:rPr>
+              <a:t> </a:t>
+            </a:r>
+            <a:r>
+              <a:rPr lang="es-ES" sz="3600" b="1" dirty="0" err="1">
+                <a:solidFill>
+                  <a:schemeClr val="accent4">
+                    <a:lumMod val="50000"/>
+                  </a:schemeClr>
+                </a:solidFill>
+                <a:effectLst>
+                  <a:outerShdw blurRad="38100" dist="38100" dir="2700000" algn="tl">
+                    <a:srgbClr val="C0C0C0"/>
+                  </a:outerShdw>
+                </a:effectLst>
+                <a:latin typeface="Dom Casual" charset="0"/>
+              </a:rPr>
+              <a:t>Resolution</a:t>
+            </a:r>
+            <a:r>
+              <a:rPr lang="es-ES" sz="3600" b="1" dirty="0">
+                <a:solidFill>
+                  <a:schemeClr val="accent4">
+                    <a:lumMod val="50000"/>
+                  </a:schemeClr>
+                </a:solidFill>
+                <a:effectLst>
+                  <a:outerShdw blurRad="38100" dist="38100" dir="2700000" algn="tl">
+                    <a:srgbClr val="C0C0C0"/>
+                  </a:outerShdw>
+                </a:effectLst>
+                <a:latin typeface="Dom Casual" charset="0"/>
+              </a:rPr>
+              <a:t> </a:t>
+            </a:r>
+            <a:r>
+              <a:rPr lang="es-ES" sz="3600" b="1" dirty="0" err="1">
+                <a:solidFill>
+                  <a:schemeClr val="accent4">
+                    <a:lumMod val="50000"/>
+                  </a:schemeClr>
+                </a:solidFill>
+                <a:effectLst>
+                  <a:outerShdw blurRad="38100" dist="38100" dir="2700000" algn="tl">
+                    <a:srgbClr val="C0C0C0"/>
+                  </a:outerShdw>
+                </a:effectLst>
+                <a:latin typeface="Dom Casual" charset="0"/>
+              </a:rPr>
+              <a:t>Protocol</a:t>
+            </a:r>
+            <a:r>
+              <a:rPr lang="es-ES" sz="3600" b="1" dirty="0">
+                <a:solidFill>
+                  <a:schemeClr val="accent4">
+                    <a:lumMod val="50000"/>
+                  </a:schemeClr>
+                </a:solidFill>
+                <a:effectLst>
+                  <a:outerShdw blurRad="38100" dist="38100" dir="2700000" algn="tl">
+                    <a:srgbClr val="C0C0C0"/>
+                  </a:outerShdw>
+                </a:effectLst>
+                <a:latin typeface="Dom Casual" charset="0"/>
+              </a:rPr>
+              <a:t>)</a:t>
+            </a:r>
+          </a:p>
+        </p:txBody>
+      </p:sp>
+      <p:pic>
+        <p:nvPicPr>
+          <p:cNvPr id="5" name="Imagen 4">
+            <a:extLst>
+              <a:ext uri="{FF2B5EF4-FFF2-40B4-BE49-F238E27FC236}">
+                <a16:creationId xmlns:a16="http://schemas.microsoft.com/office/drawing/2014/main" id="{2DB6BD8F-DB32-4EE9-B8E8-E850B30F9416}"/>
+              </a:ext>
+            </a:extLst>
+          </p:cNvPr>
+          <p:cNvPicPr>
+            <a:picLocks noChangeAspect="1"/>
+          </p:cNvPicPr>
+          <p:nvPr/>
+        </p:nvPicPr>
+        <p:blipFill>
+          <a:blip r:embed="rId3"/>
+          <a:stretch>
+            <a:fillRect/>
+          </a:stretch>
+        </p:blipFill>
+        <p:spPr>
+          <a:xfrm>
+            <a:off x="599689" y="1303149"/>
+            <a:ext cx="7701559" cy="5158851"/>
+          </a:xfrm>
+          <a:prstGeom prst="rect">
+            <a:avLst/>
+          </a:prstGeom>
+        </p:spPr>
+      </p:pic>
+    </p:spTree>
+    <p:extLst>
+      <p:ext uri="{BB962C8B-B14F-4D97-AF65-F5344CB8AC3E}">
+        <p14:creationId xmlns:p14="http://schemas.microsoft.com/office/powerpoint/2010/main" val="1120329878"/>
+      </p:ext>
+    </p:extLst>
+  </p:cSld>
+  <p:clrMapOvr>
+    <a:masterClrMapping/>
+  </p:clrMapOvr>
+  <p:transition spd="med">
+    <p:wipe dir="r"/>
+  </p:transition>
+</p:sld>
+</file>
+
+<file path=ppt/slides/slide25.xml><?xml version="1.0" encoding="utf-8"?>
+<p:sld xmlns:a="http://schemas.openxmlformats.org/drawingml/2006/main" xmlns:r="http://schemas.openxmlformats.org/officeDocument/2006/relationships" xmlns:p="http://schemas.openxmlformats.org/presentationml/2006/main">
+  <p:cSld>
+    <p:spTree>
+      <p:nvGrpSpPr>
+        <p:cNvPr id="1" name=""/>
+        <p:cNvGrpSpPr/>
+        <p:nvPr/>
+      </p:nvGrpSpPr>
+      <p:grpSpPr>
+        <a:xfrm>
+          <a:off x="0" y="0"/>
+          <a:ext cx="0" cy="0"/>
+          <a:chOff x="0" y="0"/>
+          <a:chExt cx="0" cy="0"/>
+        </a:xfrm>
+      </p:grpSpPr>
       <p:pic>
         <p:nvPicPr>
           <p:cNvPr id="3" name="Imagen 2"/>
@@ -21493,7 +21984,7 @@
 </p:sld>
 </file>
 
-<file path=ppt/slides/slide25.xml><?xml version="1.0" encoding="utf-8"?>
+<file path=ppt/slides/slide26.xml><?xml version="1.0" encoding="utf-8"?>
 <p:sld xmlns:a="http://schemas.openxmlformats.org/drawingml/2006/main" xmlns:r="http://schemas.openxmlformats.org/officeDocument/2006/relationships" xmlns:p="http://schemas.openxmlformats.org/presentationml/2006/main">
   <p:cSld>
     <p:spTree>
@@ -22669,7 +23160,7 @@
 </p:sld>
 </file>
 
-<file path=ppt/slides/slide26.xml><?xml version="1.0" encoding="utf-8"?>
+<file path=ppt/slides/slide27.xml><?xml version="1.0" encoding="utf-8"?>
 <p:sld xmlns:a="http://schemas.openxmlformats.org/drawingml/2006/main" xmlns:r="http://schemas.openxmlformats.org/officeDocument/2006/relationships" xmlns:p="http://schemas.openxmlformats.org/presentationml/2006/main">
   <p:cSld>
     <p:spTree>
@@ -23684,7 +24175,7 @@
 </p:sld>
 </file>
 
-<file path=ppt/slides/slide27.xml><?xml version="1.0" encoding="utf-8"?>
+<file path=ppt/slides/slide28.xml><?xml version="1.0" encoding="utf-8"?>
 <p:sld xmlns:a="http://schemas.openxmlformats.org/drawingml/2006/main" xmlns:r="http://schemas.openxmlformats.org/officeDocument/2006/relationships" xmlns:p="http://schemas.openxmlformats.org/presentationml/2006/main">
   <p:cSld>
     <p:spTree>
@@ -24035,7 +24526,7 @@
 </p:sld>
 </file>
 
-<file path=ppt/slides/slide28.xml><?xml version="1.0" encoding="utf-8"?>
+<file path=ppt/slides/slide29.xml><?xml version="1.0" encoding="utf-8"?>
 <p:sld xmlns:a="http://schemas.openxmlformats.org/drawingml/2006/main" xmlns:r="http://schemas.openxmlformats.org/officeDocument/2006/relationships" xmlns:p="http://schemas.openxmlformats.org/presentationml/2006/main">
   <p:cSld>
     <p:spTree>
@@ -25474,536 +25965,6 @@
 </p:sld>
 </file>
 
-<file path=ppt/slides/slide29.xml><?xml version="1.0" encoding="utf-8"?>
-<p:sld xmlns:a="http://schemas.openxmlformats.org/drawingml/2006/main" xmlns:r="http://schemas.openxmlformats.org/officeDocument/2006/relationships" xmlns:p="http://schemas.openxmlformats.org/presentationml/2006/main">
-  <p:cSld>
-    <p:spTree>
-      <p:nvGrpSpPr>
-        <p:cNvPr id="1" name=""/>
-        <p:cNvGrpSpPr/>
-        <p:nvPr/>
-      </p:nvGrpSpPr>
-      <p:grpSpPr>
-        <a:xfrm>
-          <a:off x="0" y="0"/>
-          <a:ext cx="0" cy="0"/>
-          <a:chOff x="0" y="0"/>
-          <a:chExt cx="0" cy="0"/>
-        </a:xfrm>
-      </p:grpSpPr>
-      <p:pic>
-        <p:nvPicPr>
-          <p:cNvPr id="2" name="Imagen 1"/>
-          <p:cNvPicPr>
-            <a:picLocks noChangeAspect="1"/>
-          </p:cNvPicPr>
-          <p:nvPr/>
-        </p:nvPicPr>
-        <p:blipFill>
-          <a:blip r:embed="rId3">
-            <a:extLst>
-              <a:ext uri="{28A0092B-C50C-407E-A947-70E740481C1C}">
-                <a14:useLocalDpi xmlns:a14="http://schemas.microsoft.com/office/drawing/2010/main" val="0"/>
-              </a:ext>
-            </a:extLst>
-          </a:blip>
-          <a:stretch>
-            <a:fillRect/>
-          </a:stretch>
-        </p:blipFill>
-        <p:spPr>
-          <a:xfrm>
-            <a:off x="4860032" y="4149080"/>
-            <a:ext cx="3771342" cy="2514228"/>
-          </a:xfrm>
-          <a:prstGeom prst="rect">
-            <a:avLst/>
-          </a:prstGeom>
-        </p:spPr>
-      </p:pic>
-      <p:sp>
-        <p:nvSpPr>
-          <p:cNvPr id="6" name="5 CuadroTexto"/>
-          <p:cNvSpPr txBox="1">
-            <a:spLocks noChangeArrowheads="1"/>
-          </p:cNvSpPr>
-          <p:nvPr/>
-        </p:nvSpPr>
-        <p:spPr bwMode="auto">
-          <a:xfrm>
-            <a:off x="611560" y="2348880"/>
-            <a:ext cx="6643687" cy="2092325"/>
-          </a:xfrm>
-          <a:prstGeom prst="rect">
-            <a:avLst/>
-          </a:prstGeom>
-          <a:noFill/>
-          <a:ln w="9525">
-            <a:noFill/>
-            <a:miter lim="800000"/>
-            <a:headEnd/>
-            <a:tailEnd/>
-          </a:ln>
-        </p:spPr>
-        <p:txBody>
-          <a:bodyPr>
-            <a:spAutoFit/>
-          </a:bodyPr>
-          <a:lstStyle/>
-          <a:p>
-            <a:pPr eaLnBrk="0" hangingPunct="0">
-              <a:lnSpc>
-                <a:spcPts val="3000"/>
-              </a:lnSpc>
-              <a:defRPr/>
-            </a:pPr>
-            <a:r>
-              <a:rPr lang="es-MX" sz="1800" b="1" dirty="0">
-                <a:solidFill>
-                  <a:schemeClr val="accent6">
-                    <a:lumMod val="75000"/>
-                  </a:schemeClr>
-                </a:solidFill>
-                <a:latin typeface="ZapfHumnst BT"/>
-              </a:rPr>
-              <a:t>Capa de aplicación</a:t>
-            </a:r>
-            <a:endParaRPr lang="es-MX" sz="1800" b="1" dirty="0">
-              <a:solidFill>
-                <a:schemeClr val="bg2">
-                  <a:lumMod val="25000"/>
-                </a:schemeClr>
-              </a:solidFill>
-              <a:latin typeface="ZapfHumnst BT"/>
-            </a:endParaRPr>
-          </a:p>
-          <a:p>
-            <a:pPr lvl="1" eaLnBrk="0" hangingPunct="0">
-              <a:lnSpc>
-                <a:spcPts val="3000"/>
-              </a:lnSpc>
-              <a:spcBef>
-                <a:spcPts val="600"/>
-              </a:spcBef>
-              <a:buFont typeface="Wingdings" pitchFamily="2" charset="2"/>
-              <a:buChar char="ü"/>
-              <a:defRPr/>
-            </a:pPr>
-            <a:r>
-              <a:rPr lang="es-MX" sz="1800" dirty="0">
-                <a:solidFill>
-                  <a:schemeClr val="bg2">
-                    <a:lumMod val="25000"/>
-                  </a:schemeClr>
-                </a:solidFill>
-                <a:latin typeface="ZapfHumnst BT"/>
-              </a:rPr>
-              <a:t> HTTP posibilita la descarga de páginas Web</a:t>
-            </a:r>
-          </a:p>
-          <a:p>
-            <a:pPr lvl="1" eaLnBrk="0" hangingPunct="0">
-              <a:lnSpc>
-                <a:spcPts val="3000"/>
-              </a:lnSpc>
-              <a:buFont typeface="Wingdings" pitchFamily="2" charset="2"/>
-              <a:buChar char="ü"/>
-              <a:defRPr/>
-            </a:pPr>
-            <a:r>
-              <a:rPr lang="es-MX" sz="1800" dirty="0">
-                <a:solidFill>
-                  <a:schemeClr val="bg2">
-                    <a:lumMod val="25000"/>
-                  </a:schemeClr>
-                </a:solidFill>
-                <a:latin typeface="ZapfHumnst BT"/>
-              </a:rPr>
-              <a:t> FTP permite la transferencia de archivos</a:t>
-            </a:r>
-          </a:p>
-          <a:p>
-            <a:pPr lvl="1" eaLnBrk="0" hangingPunct="0">
-              <a:lnSpc>
-                <a:spcPts val="3000"/>
-              </a:lnSpc>
-              <a:buFont typeface="Wingdings" pitchFamily="2" charset="2"/>
-              <a:buChar char="ü"/>
-              <a:defRPr/>
-            </a:pPr>
-            <a:r>
-              <a:rPr lang="es-MX" sz="1800" dirty="0">
-                <a:solidFill>
-                  <a:schemeClr val="bg2">
-                    <a:lumMod val="25000"/>
-                  </a:schemeClr>
-                </a:solidFill>
-                <a:latin typeface="ZapfHumnst BT"/>
-              </a:rPr>
-              <a:t> SMTP para la transferencia  de correo</a:t>
-            </a:r>
-          </a:p>
-          <a:p>
-            <a:pPr lvl="1" eaLnBrk="0" hangingPunct="0">
-              <a:lnSpc>
-                <a:spcPts val="3000"/>
-              </a:lnSpc>
-              <a:buFont typeface="Wingdings" pitchFamily="2" charset="2"/>
-              <a:buChar char="ü"/>
-              <a:defRPr/>
-            </a:pPr>
-            <a:r>
-              <a:rPr lang="es-MX" sz="1800" dirty="0">
-                <a:solidFill>
-                  <a:schemeClr val="bg2">
-                    <a:lumMod val="25000"/>
-                  </a:schemeClr>
-                </a:solidFill>
-                <a:latin typeface="ZapfHumnst BT"/>
-              </a:rPr>
-              <a:t> DNS para la búsqueda de direcciones IP</a:t>
-            </a:r>
-          </a:p>
-        </p:txBody>
-      </p:sp>
-      <p:sp>
-        <p:nvSpPr>
-          <p:cNvPr id="7" name="6 CuadroTexto"/>
-          <p:cNvSpPr txBox="1"/>
-          <p:nvPr/>
-        </p:nvSpPr>
-        <p:spPr>
-          <a:xfrm>
-            <a:off x="611560" y="1196752"/>
-            <a:ext cx="8286750" cy="938719"/>
-          </a:xfrm>
-          <a:prstGeom prst="rect">
-            <a:avLst/>
-          </a:prstGeom>
-          <a:noFill/>
-        </p:spPr>
-        <p:txBody>
-          <a:bodyPr>
-            <a:spAutoFit/>
-          </a:bodyPr>
-          <a:lstStyle/>
-          <a:p>
-            <a:pPr eaLnBrk="0" hangingPunct="0">
-              <a:lnSpc>
-                <a:spcPct val="150000"/>
-              </a:lnSpc>
-              <a:defRPr/>
-            </a:pPr>
-            <a:r>
-              <a:rPr lang="es-MX" sz="2000" b="1" dirty="0">
-                <a:solidFill>
-                  <a:schemeClr val="accent6">
-                    <a:lumMod val="75000"/>
-                  </a:schemeClr>
-                </a:solidFill>
-                <a:latin typeface="ZapfHumnst BT"/>
-              </a:rPr>
-              <a:t>Capa de sesión</a:t>
-            </a:r>
-            <a:endParaRPr lang="es-MX" sz="2000" b="1" dirty="0">
-              <a:solidFill>
-                <a:schemeClr val="bg2">
-                  <a:lumMod val="25000"/>
-                </a:schemeClr>
-              </a:solidFill>
-              <a:latin typeface="ZapfHumnst BT"/>
-            </a:endParaRPr>
-          </a:p>
-          <a:p>
-            <a:pPr lvl="1" eaLnBrk="0" hangingPunct="0">
-              <a:lnSpc>
-                <a:spcPts val="3000"/>
-              </a:lnSpc>
-              <a:buFont typeface="Wingdings" pitchFamily="2" charset="2"/>
-              <a:buChar char="ü"/>
-              <a:defRPr/>
-            </a:pPr>
-            <a:r>
-              <a:rPr lang="es-MX" sz="1800" dirty="0">
-                <a:solidFill>
-                  <a:schemeClr val="bg2">
-                    <a:lumMod val="25000"/>
-                  </a:schemeClr>
-                </a:solidFill>
-                <a:latin typeface="ZapfHumnst BT"/>
-              </a:rPr>
-              <a:t> </a:t>
-            </a:r>
-            <a:r>
-              <a:rPr lang="es-MX" sz="1800" dirty="0" err="1">
-                <a:solidFill>
-                  <a:schemeClr val="bg2">
-                    <a:lumMod val="25000"/>
-                  </a:schemeClr>
-                </a:solidFill>
-                <a:latin typeface="ZapfHumnst BT"/>
-              </a:rPr>
-              <a:t>Netbios</a:t>
-            </a:r>
-            <a:r>
-              <a:rPr lang="es-MX" sz="1800" dirty="0">
-                <a:solidFill>
-                  <a:schemeClr val="bg2">
-                    <a:lumMod val="25000"/>
-                  </a:schemeClr>
-                </a:solidFill>
-                <a:latin typeface="ZapfHumnst BT"/>
-              </a:rPr>
-              <a:t> (permite a las aplicaciones 'hablar' con la red)</a:t>
-            </a:r>
-            <a:r>
-              <a:rPr lang="es-MX" dirty="0">
-                <a:solidFill>
-                  <a:schemeClr val="bg2">
-                    <a:lumMod val="25000"/>
-                  </a:schemeClr>
-                </a:solidFill>
-                <a:latin typeface="ZapfHumnst BT"/>
-              </a:rPr>
-              <a:t> </a:t>
-            </a:r>
-            <a:endParaRPr lang="es-MX" dirty="0">
-              <a:solidFill>
-                <a:schemeClr val="bg2">
-                  <a:lumMod val="25000"/>
-                </a:schemeClr>
-              </a:solidFill>
-            </a:endParaRPr>
-          </a:p>
-        </p:txBody>
-      </p:sp>
-      <p:sp>
-        <p:nvSpPr>
-          <p:cNvPr id="5" name="Rectangle 2"/>
-          <p:cNvSpPr txBox="1">
-            <a:spLocks noChangeArrowheads="1"/>
-          </p:cNvSpPr>
-          <p:nvPr/>
-        </p:nvSpPr>
-        <p:spPr>
-          <a:xfrm>
-            <a:off x="72008" y="-27384"/>
-            <a:ext cx="8964488" cy="1143000"/>
-          </a:xfrm>
-          <a:prstGeom prst="rect">
-            <a:avLst/>
-          </a:prstGeom>
-        </p:spPr>
-        <p:txBody>
-          <a:bodyPr vert="horz" lIns="92075" tIns="46038" rIns="92075" bIns="46038" rtlCol="0" anchor="ctr">
-            <a:noAutofit/>
-          </a:bodyPr>
-          <a:lstStyle>
-            <a:lvl1pPr algn="ctr" defTabSz="914400" rtl="0" eaLnBrk="1" latinLnBrk="0" hangingPunct="1">
-              <a:spcBef>
-                <a:spcPct val="0"/>
-              </a:spcBef>
-              <a:buNone/>
-              <a:defRPr sz="4400" kern="1200">
-                <a:solidFill>
-                  <a:schemeClr val="tx1"/>
-                </a:solidFill>
-                <a:latin typeface="+mj-lt"/>
-                <a:ea typeface="+mj-ea"/>
-                <a:cs typeface="+mj-cs"/>
-              </a:defRPr>
-            </a:lvl1pPr>
-          </a:lstStyle>
-          <a:p>
-            <a:pPr>
-              <a:defRPr/>
-            </a:pPr>
-            <a:r>
-              <a:rPr lang="es-ES_tradnl" sz="3200" dirty="0">
-                <a:solidFill>
-                  <a:srgbClr val="3333CC"/>
-                </a:solidFill>
-                <a:effectLst>
-                  <a:outerShdw blurRad="38100" dist="38100" dir="2700000" algn="tl">
-                    <a:srgbClr val="C0C0C0"/>
-                  </a:outerShdw>
-                </a:effectLst>
-                <a:latin typeface="Dom Casual" charset="0"/>
-              </a:rPr>
-              <a:t> </a:t>
-            </a:r>
-            <a:r>
-              <a:rPr lang="es-ES_tradnl" sz="3200" b="1" dirty="0">
-                <a:solidFill>
-                  <a:schemeClr val="accent4">
-                    <a:lumMod val="50000"/>
-                  </a:schemeClr>
-                </a:solidFill>
-                <a:effectLst>
-                  <a:outerShdw blurRad="38100" dist="38100" dir="2700000" algn="tl">
-                    <a:srgbClr val="C0C0C0"/>
-                  </a:outerShdw>
-                </a:effectLst>
-                <a:latin typeface="Dom Casual" charset="0"/>
-              </a:rPr>
-              <a:t>Protocolos Modelo OSI</a:t>
-            </a:r>
-          </a:p>
-        </p:txBody>
-      </p:sp>
-    </p:spTree>
-    <p:extLst>
-      <p:ext uri="{BB962C8B-B14F-4D97-AF65-F5344CB8AC3E}">
-        <p14:creationId xmlns:p14="http://schemas.microsoft.com/office/powerpoint/2010/main" val="2046544362"/>
-      </p:ext>
-    </p:extLst>
-  </p:cSld>
-  <p:clrMapOvr>
-    <a:masterClrMapping/>
-  </p:clrMapOvr>
-  <p:timing>
-    <p:tnLst>
-      <p:par>
-        <p:cTn id="1" dur="indefinite" restart="never" nodeType="tmRoot">
-          <p:childTnLst>
-            <p:seq concurrent="1" nextAc="seek">
-              <p:cTn id="2" dur="indefinite" nodeType="mainSeq">
-                <p:childTnLst>
-                  <p:par>
-                    <p:cTn id="3" fill="hold" nodeType="clickPar">
-                      <p:stCondLst>
-                        <p:cond delay="indefinite"/>
-                      </p:stCondLst>
-                      <p:childTnLst>
-                        <p:par>
-                          <p:cTn id="4" fill="hold" nodeType="withGroup">
-                            <p:stCondLst>
-                              <p:cond delay="0"/>
-                            </p:stCondLst>
-                            <p:childTnLst>
-                              <p:par>
-                                <p:cTn id="5" presetID="4" presetClass="entr" presetSubtype="16" fill="hold" grpId="0" nodeType="clickEffect">
-                                  <p:stCondLst>
-                                    <p:cond delay="0"/>
-                                  </p:stCondLst>
-                                  <p:childTnLst>
-                                    <p:set>
-                                      <p:cBhvr>
-                                        <p:cTn id="6" dur="1" fill="hold">
-                                          <p:stCondLst>
-                                            <p:cond delay="0"/>
-                                          </p:stCondLst>
-                                        </p:cTn>
-                                        <p:tgtEl>
-                                          <p:spTgt spid="7"/>
-                                        </p:tgtEl>
-                                        <p:attrNameLst>
-                                          <p:attrName>style.visibility</p:attrName>
-                                        </p:attrNameLst>
-                                      </p:cBhvr>
-                                      <p:to>
-                                        <p:strVal val="visible"/>
-                                      </p:to>
-                                    </p:set>
-                                    <p:animEffect transition="in" filter="box(in)">
-                                      <p:cBhvr>
-                                        <p:cTn id="7" dur="500"/>
-                                        <p:tgtEl>
-                                          <p:spTgt spid="7"/>
-                                        </p:tgtEl>
-                                      </p:cBhvr>
-                                    </p:animEffect>
-                                  </p:childTnLst>
-                                </p:cTn>
-                              </p:par>
-                            </p:childTnLst>
-                          </p:cTn>
-                        </p:par>
-                      </p:childTnLst>
-                    </p:cTn>
-                  </p:par>
-                  <p:par>
-                    <p:cTn id="8" fill="hold" nodeType="clickPar">
-                      <p:stCondLst>
-                        <p:cond delay="indefinite"/>
-                      </p:stCondLst>
-                      <p:childTnLst>
-                        <p:par>
-                          <p:cTn id="9" fill="hold" nodeType="withGroup">
-                            <p:stCondLst>
-                              <p:cond delay="0"/>
-                            </p:stCondLst>
-                            <p:childTnLst>
-                              <p:par>
-                                <p:cTn id="10" presetID="4" presetClass="entr" presetSubtype="16" fill="hold" grpId="0" nodeType="clickEffect">
-                                  <p:stCondLst>
-                                    <p:cond delay="0"/>
-                                  </p:stCondLst>
-                                  <p:childTnLst>
-                                    <p:set>
-                                      <p:cBhvr>
-                                        <p:cTn id="11" dur="1" fill="hold">
-                                          <p:stCondLst>
-                                            <p:cond delay="0"/>
-                                          </p:stCondLst>
-                                        </p:cTn>
-                                        <p:tgtEl>
-                                          <p:spTgt spid="6"/>
-                                        </p:tgtEl>
-                                        <p:attrNameLst>
-                                          <p:attrName>style.visibility</p:attrName>
-                                        </p:attrNameLst>
-                                      </p:cBhvr>
-                                      <p:to>
-                                        <p:strVal val="visible"/>
-                                      </p:to>
-                                    </p:set>
-                                    <p:animEffect transition="in" filter="box(in)">
-                                      <p:cBhvr>
-                                        <p:cTn id="12" dur="2000"/>
-                                        <p:tgtEl>
-                                          <p:spTgt spid="6"/>
-                                        </p:tgtEl>
-                                      </p:cBhvr>
-                                    </p:animEffect>
-                                  </p:childTnLst>
-                                </p:cTn>
-                              </p:par>
-                            </p:childTnLst>
-                          </p:cTn>
-                        </p:par>
-                      </p:childTnLst>
-                    </p:cTn>
-                  </p:par>
-                </p:childTnLst>
-              </p:cTn>
-              <p:prevCondLst>
-                <p:cond evt="onPrev" delay="0">
-                  <p:tgtEl>
-                    <p:sldTgt/>
-                  </p:tgtEl>
-                </p:cond>
-              </p:prevCondLst>
-              <p:nextCondLst>
-                <p:cond evt="onNext" delay="0">
-                  <p:tgtEl>
-                    <p:sldTgt/>
-                  </p:tgtEl>
-                </p:cond>
-              </p:nextCondLst>
-            </p:seq>
-          </p:childTnLst>
-        </p:cTn>
-      </p:par>
-    </p:tnLst>
-    <p:bldLst>
-      <p:bldP spid="6" grpId="0"/>
-      <p:bldP spid="7" grpId="0"/>
-    </p:bldLst>
-  </p:timing>
-</p:sld>
-</file>
-
 <file path=ppt/slides/slide3.xml><?xml version="1.0" encoding="utf-8"?>
 <p:sld xmlns:a="http://schemas.openxmlformats.org/drawingml/2006/main" xmlns:r="http://schemas.openxmlformats.org/officeDocument/2006/relationships" xmlns:p="http://schemas.openxmlformats.org/presentationml/2006/main">
   <p:cSld>
@@ -26506,6 +26467,536 @@
     </p:tnLst>
     <p:bldLst>
       <p:bldP spid="6" grpId="0" autoUpdateAnimBg="0"/>
+    </p:bldLst>
+  </p:timing>
+</p:sld>
+</file>
+
+<file path=ppt/slides/slide30.xml><?xml version="1.0" encoding="utf-8"?>
+<p:sld xmlns:a="http://schemas.openxmlformats.org/drawingml/2006/main" xmlns:r="http://schemas.openxmlformats.org/officeDocument/2006/relationships" xmlns:p="http://schemas.openxmlformats.org/presentationml/2006/main">
+  <p:cSld>
+    <p:spTree>
+      <p:nvGrpSpPr>
+        <p:cNvPr id="1" name=""/>
+        <p:cNvGrpSpPr/>
+        <p:nvPr/>
+      </p:nvGrpSpPr>
+      <p:grpSpPr>
+        <a:xfrm>
+          <a:off x="0" y="0"/>
+          <a:ext cx="0" cy="0"/>
+          <a:chOff x="0" y="0"/>
+          <a:chExt cx="0" cy="0"/>
+        </a:xfrm>
+      </p:grpSpPr>
+      <p:pic>
+        <p:nvPicPr>
+          <p:cNvPr id="2" name="Imagen 1"/>
+          <p:cNvPicPr>
+            <a:picLocks noChangeAspect="1"/>
+          </p:cNvPicPr>
+          <p:nvPr/>
+        </p:nvPicPr>
+        <p:blipFill>
+          <a:blip r:embed="rId3">
+            <a:extLst>
+              <a:ext uri="{28A0092B-C50C-407E-A947-70E740481C1C}">
+                <a14:useLocalDpi xmlns:a14="http://schemas.microsoft.com/office/drawing/2010/main" val="0"/>
+              </a:ext>
+            </a:extLst>
+          </a:blip>
+          <a:stretch>
+            <a:fillRect/>
+          </a:stretch>
+        </p:blipFill>
+        <p:spPr>
+          <a:xfrm>
+            <a:off x="4860032" y="4149080"/>
+            <a:ext cx="3771342" cy="2514228"/>
+          </a:xfrm>
+          <a:prstGeom prst="rect">
+            <a:avLst/>
+          </a:prstGeom>
+        </p:spPr>
+      </p:pic>
+      <p:sp>
+        <p:nvSpPr>
+          <p:cNvPr id="6" name="5 CuadroTexto"/>
+          <p:cNvSpPr txBox="1">
+            <a:spLocks noChangeArrowheads="1"/>
+          </p:cNvSpPr>
+          <p:nvPr/>
+        </p:nvSpPr>
+        <p:spPr bwMode="auto">
+          <a:xfrm>
+            <a:off x="611560" y="2348880"/>
+            <a:ext cx="6643687" cy="2092325"/>
+          </a:xfrm>
+          <a:prstGeom prst="rect">
+            <a:avLst/>
+          </a:prstGeom>
+          <a:noFill/>
+          <a:ln w="9525">
+            <a:noFill/>
+            <a:miter lim="800000"/>
+            <a:headEnd/>
+            <a:tailEnd/>
+          </a:ln>
+        </p:spPr>
+        <p:txBody>
+          <a:bodyPr>
+            <a:spAutoFit/>
+          </a:bodyPr>
+          <a:lstStyle/>
+          <a:p>
+            <a:pPr eaLnBrk="0" hangingPunct="0">
+              <a:lnSpc>
+                <a:spcPts val="3000"/>
+              </a:lnSpc>
+              <a:defRPr/>
+            </a:pPr>
+            <a:r>
+              <a:rPr lang="es-MX" sz="1800" b="1" dirty="0">
+                <a:solidFill>
+                  <a:schemeClr val="accent6">
+                    <a:lumMod val="75000"/>
+                  </a:schemeClr>
+                </a:solidFill>
+                <a:latin typeface="ZapfHumnst BT"/>
+              </a:rPr>
+              <a:t>Capa de aplicación</a:t>
+            </a:r>
+            <a:endParaRPr lang="es-MX" sz="1800" b="1" dirty="0">
+              <a:solidFill>
+                <a:schemeClr val="bg2">
+                  <a:lumMod val="25000"/>
+                </a:schemeClr>
+              </a:solidFill>
+              <a:latin typeface="ZapfHumnst BT"/>
+            </a:endParaRPr>
+          </a:p>
+          <a:p>
+            <a:pPr lvl="1" eaLnBrk="0" hangingPunct="0">
+              <a:lnSpc>
+                <a:spcPts val="3000"/>
+              </a:lnSpc>
+              <a:spcBef>
+                <a:spcPts val="600"/>
+              </a:spcBef>
+              <a:buFont typeface="Wingdings" pitchFamily="2" charset="2"/>
+              <a:buChar char="ü"/>
+              <a:defRPr/>
+            </a:pPr>
+            <a:r>
+              <a:rPr lang="es-MX" sz="1800" dirty="0">
+                <a:solidFill>
+                  <a:schemeClr val="bg2">
+                    <a:lumMod val="25000"/>
+                  </a:schemeClr>
+                </a:solidFill>
+                <a:latin typeface="ZapfHumnst BT"/>
+              </a:rPr>
+              <a:t> HTTP posibilita la descarga de páginas Web</a:t>
+            </a:r>
+          </a:p>
+          <a:p>
+            <a:pPr lvl="1" eaLnBrk="0" hangingPunct="0">
+              <a:lnSpc>
+                <a:spcPts val="3000"/>
+              </a:lnSpc>
+              <a:buFont typeface="Wingdings" pitchFamily="2" charset="2"/>
+              <a:buChar char="ü"/>
+              <a:defRPr/>
+            </a:pPr>
+            <a:r>
+              <a:rPr lang="es-MX" sz="1800" dirty="0">
+                <a:solidFill>
+                  <a:schemeClr val="bg2">
+                    <a:lumMod val="25000"/>
+                  </a:schemeClr>
+                </a:solidFill>
+                <a:latin typeface="ZapfHumnst BT"/>
+              </a:rPr>
+              <a:t> FTP permite la transferencia de archivos</a:t>
+            </a:r>
+          </a:p>
+          <a:p>
+            <a:pPr lvl="1" eaLnBrk="0" hangingPunct="0">
+              <a:lnSpc>
+                <a:spcPts val="3000"/>
+              </a:lnSpc>
+              <a:buFont typeface="Wingdings" pitchFamily="2" charset="2"/>
+              <a:buChar char="ü"/>
+              <a:defRPr/>
+            </a:pPr>
+            <a:r>
+              <a:rPr lang="es-MX" sz="1800" dirty="0">
+                <a:solidFill>
+                  <a:schemeClr val="bg2">
+                    <a:lumMod val="25000"/>
+                  </a:schemeClr>
+                </a:solidFill>
+                <a:latin typeface="ZapfHumnst BT"/>
+              </a:rPr>
+              <a:t> SMTP para la transferencia  de correo</a:t>
+            </a:r>
+          </a:p>
+          <a:p>
+            <a:pPr lvl="1" eaLnBrk="0" hangingPunct="0">
+              <a:lnSpc>
+                <a:spcPts val="3000"/>
+              </a:lnSpc>
+              <a:buFont typeface="Wingdings" pitchFamily="2" charset="2"/>
+              <a:buChar char="ü"/>
+              <a:defRPr/>
+            </a:pPr>
+            <a:r>
+              <a:rPr lang="es-MX" sz="1800" dirty="0">
+                <a:solidFill>
+                  <a:schemeClr val="bg2">
+                    <a:lumMod val="25000"/>
+                  </a:schemeClr>
+                </a:solidFill>
+                <a:latin typeface="ZapfHumnst BT"/>
+              </a:rPr>
+              <a:t> DNS para la búsqueda de direcciones IP</a:t>
+            </a:r>
+          </a:p>
+        </p:txBody>
+      </p:sp>
+      <p:sp>
+        <p:nvSpPr>
+          <p:cNvPr id="7" name="6 CuadroTexto"/>
+          <p:cNvSpPr txBox="1"/>
+          <p:nvPr/>
+        </p:nvSpPr>
+        <p:spPr>
+          <a:xfrm>
+            <a:off x="611560" y="1196752"/>
+            <a:ext cx="8286750" cy="938719"/>
+          </a:xfrm>
+          <a:prstGeom prst="rect">
+            <a:avLst/>
+          </a:prstGeom>
+          <a:noFill/>
+        </p:spPr>
+        <p:txBody>
+          <a:bodyPr>
+            <a:spAutoFit/>
+          </a:bodyPr>
+          <a:lstStyle/>
+          <a:p>
+            <a:pPr eaLnBrk="0" hangingPunct="0">
+              <a:lnSpc>
+                <a:spcPct val="150000"/>
+              </a:lnSpc>
+              <a:defRPr/>
+            </a:pPr>
+            <a:r>
+              <a:rPr lang="es-MX" sz="2000" b="1" dirty="0">
+                <a:solidFill>
+                  <a:schemeClr val="accent6">
+                    <a:lumMod val="75000"/>
+                  </a:schemeClr>
+                </a:solidFill>
+                <a:latin typeface="ZapfHumnst BT"/>
+              </a:rPr>
+              <a:t>Capa de sesión</a:t>
+            </a:r>
+            <a:endParaRPr lang="es-MX" sz="2000" b="1" dirty="0">
+              <a:solidFill>
+                <a:schemeClr val="bg2">
+                  <a:lumMod val="25000"/>
+                </a:schemeClr>
+              </a:solidFill>
+              <a:latin typeface="ZapfHumnst BT"/>
+            </a:endParaRPr>
+          </a:p>
+          <a:p>
+            <a:pPr lvl="1" eaLnBrk="0" hangingPunct="0">
+              <a:lnSpc>
+                <a:spcPts val="3000"/>
+              </a:lnSpc>
+              <a:buFont typeface="Wingdings" pitchFamily="2" charset="2"/>
+              <a:buChar char="ü"/>
+              <a:defRPr/>
+            </a:pPr>
+            <a:r>
+              <a:rPr lang="es-MX" sz="1800" dirty="0">
+                <a:solidFill>
+                  <a:schemeClr val="bg2">
+                    <a:lumMod val="25000"/>
+                  </a:schemeClr>
+                </a:solidFill>
+                <a:latin typeface="ZapfHumnst BT"/>
+              </a:rPr>
+              <a:t> </a:t>
+            </a:r>
+            <a:r>
+              <a:rPr lang="es-MX" sz="1800" dirty="0" err="1">
+                <a:solidFill>
+                  <a:schemeClr val="bg2">
+                    <a:lumMod val="25000"/>
+                  </a:schemeClr>
+                </a:solidFill>
+                <a:latin typeface="ZapfHumnst BT"/>
+              </a:rPr>
+              <a:t>Netbios</a:t>
+            </a:r>
+            <a:r>
+              <a:rPr lang="es-MX" sz="1800" dirty="0">
+                <a:solidFill>
+                  <a:schemeClr val="bg2">
+                    <a:lumMod val="25000"/>
+                  </a:schemeClr>
+                </a:solidFill>
+                <a:latin typeface="ZapfHumnst BT"/>
+              </a:rPr>
+              <a:t> (permite a las aplicaciones 'hablar' con la red)</a:t>
+            </a:r>
+            <a:r>
+              <a:rPr lang="es-MX" dirty="0">
+                <a:solidFill>
+                  <a:schemeClr val="bg2">
+                    <a:lumMod val="25000"/>
+                  </a:schemeClr>
+                </a:solidFill>
+                <a:latin typeface="ZapfHumnst BT"/>
+              </a:rPr>
+              <a:t> </a:t>
+            </a:r>
+            <a:endParaRPr lang="es-MX" dirty="0">
+              <a:solidFill>
+                <a:schemeClr val="bg2">
+                  <a:lumMod val="25000"/>
+                </a:schemeClr>
+              </a:solidFill>
+            </a:endParaRPr>
+          </a:p>
+        </p:txBody>
+      </p:sp>
+      <p:sp>
+        <p:nvSpPr>
+          <p:cNvPr id="5" name="Rectangle 2"/>
+          <p:cNvSpPr txBox="1">
+            <a:spLocks noChangeArrowheads="1"/>
+          </p:cNvSpPr>
+          <p:nvPr/>
+        </p:nvSpPr>
+        <p:spPr>
+          <a:xfrm>
+            <a:off x="72008" y="-27384"/>
+            <a:ext cx="8964488" cy="1143000"/>
+          </a:xfrm>
+          <a:prstGeom prst="rect">
+            <a:avLst/>
+          </a:prstGeom>
+        </p:spPr>
+        <p:txBody>
+          <a:bodyPr vert="horz" lIns="92075" tIns="46038" rIns="92075" bIns="46038" rtlCol="0" anchor="ctr">
+            <a:noAutofit/>
+          </a:bodyPr>
+          <a:lstStyle>
+            <a:lvl1pPr algn="ctr" defTabSz="914400" rtl="0" eaLnBrk="1" latinLnBrk="0" hangingPunct="1">
+              <a:spcBef>
+                <a:spcPct val="0"/>
+              </a:spcBef>
+              <a:buNone/>
+              <a:defRPr sz="4400" kern="1200">
+                <a:solidFill>
+                  <a:schemeClr val="tx1"/>
+                </a:solidFill>
+                <a:latin typeface="+mj-lt"/>
+                <a:ea typeface="+mj-ea"/>
+                <a:cs typeface="+mj-cs"/>
+              </a:defRPr>
+            </a:lvl1pPr>
+          </a:lstStyle>
+          <a:p>
+            <a:pPr>
+              <a:defRPr/>
+            </a:pPr>
+            <a:r>
+              <a:rPr lang="es-ES_tradnl" sz="3200" dirty="0">
+                <a:solidFill>
+                  <a:srgbClr val="3333CC"/>
+                </a:solidFill>
+                <a:effectLst>
+                  <a:outerShdw blurRad="38100" dist="38100" dir="2700000" algn="tl">
+                    <a:srgbClr val="C0C0C0"/>
+                  </a:outerShdw>
+                </a:effectLst>
+                <a:latin typeface="Dom Casual" charset="0"/>
+              </a:rPr>
+              <a:t> </a:t>
+            </a:r>
+            <a:r>
+              <a:rPr lang="es-ES_tradnl" sz="3200" b="1" dirty="0">
+                <a:solidFill>
+                  <a:schemeClr val="accent4">
+                    <a:lumMod val="50000"/>
+                  </a:schemeClr>
+                </a:solidFill>
+                <a:effectLst>
+                  <a:outerShdw blurRad="38100" dist="38100" dir="2700000" algn="tl">
+                    <a:srgbClr val="C0C0C0"/>
+                  </a:outerShdw>
+                </a:effectLst>
+                <a:latin typeface="Dom Casual" charset="0"/>
+              </a:rPr>
+              <a:t>Protocolos Modelo OSI</a:t>
+            </a:r>
+          </a:p>
+        </p:txBody>
+      </p:sp>
+    </p:spTree>
+    <p:extLst>
+      <p:ext uri="{BB962C8B-B14F-4D97-AF65-F5344CB8AC3E}">
+        <p14:creationId xmlns:p14="http://schemas.microsoft.com/office/powerpoint/2010/main" val="2046544362"/>
+      </p:ext>
+    </p:extLst>
+  </p:cSld>
+  <p:clrMapOvr>
+    <a:masterClrMapping/>
+  </p:clrMapOvr>
+  <p:timing>
+    <p:tnLst>
+      <p:par>
+        <p:cTn id="1" dur="indefinite" restart="never" nodeType="tmRoot">
+          <p:childTnLst>
+            <p:seq concurrent="1" nextAc="seek">
+              <p:cTn id="2" dur="indefinite" nodeType="mainSeq">
+                <p:childTnLst>
+                  <p:par>
+                    <p:cTn id="3" fill="hold" nodeType="clickPar">
+                      <p:stCondLst>
+                        <p:cond delay="indefinite"/>
+                      </p:stCondLst>
+                      <p:childTnLst>
+                        <p:par>
+                          <p:cTn id="4" fill="hold" nodeType="withGroup">
+                            <p:stCondLst>
+                              <p:cond delay="0"/>
+                            </p:stCondLst>
+                            <p:childTnLst>
+                              <p:par>
+                                <p:cTn id="5" presetID="4" presetClass="entr" presetSubtype="16" fill="hold" grpId="0" nodeType="clickEffect">
+                                  <p:stCondLst>
+                                    <p:cond delay="0"/>
+                                  </p:stCondLst>
+                                  <p:childTnLst>
+                                    <p:set>
+                                      <p:cBhvr>
+                                        <p:cTn id="6" dur="1" fill="hold">
+                                          <p:stCondLst>
+                                            <p:cond delay="0"/>
+                                          </p:stCondLst>
+                                        </p:cTn>
+                                        <p:tgtEl>
+                                          <p:spTgt spid="7"/>
+                                        </p:tgtEl>
+                                        <p:attrNameLst>
+                                          <p:attrName>style.visibility</p:attrName>
+                                        </p:attrNameLst>
+                                      </p:cBhvr>
+                                      <p:to>
+                                        <p:strVal val="visible"/>
+                                      </p:to>
+                                    </p:set>
+                                    <p:animEffect transition="in" filter="box(in)">
+                                      <p:cBhvr>
+                                        <p:cTn id="7" dur="500"/>
+                                        <p:tgtEl>
+                                          <p:spTgt spid="7"/>
+                                        </p:tgtEl>
+                                      </p:cBhvr>
+                                    </p:animEffect>
+                                  </p:childTnLst>
+                                </p:cTn>
+                              </p:par>
+                            </p:childTnLst>
+                          </p:cTn>
+                        </p:par>
+                      </p:childTnLst>
+                    </p:cTn>
+                  </p:par>
+                  <p:par>
+                    <p:cTn id="8" fill="hold" nodeType="clickPar">
+                      <p:stCondLst>
+                        <p:cond delay="indefinite"/>
+                      </p:stCondLst>
+                      <p:childTnLst>
+                        <p:par>
+                          <p:cTn id="9" fill="hold" nodeType="withGroup">
+                            <p:stCondLst>
+                              <p:cond delay="0"/>
+                            </p:stCondLst>
+                            <p:childTnLst>
+                              <p:par>
+                                <p:cTn id="10" presetID="4" presetClass="entr" presetSubtype="16" fill="hold" grpId="0" nodeType="clickEffect">
+                                  <p:stCondLst>
+                                    <p:cond delay="0"/>
+                                  </p:stCondLst>
+                                  <p:childTnLst>
+                                    <p:set>
+                                      <p:cBhvr>
+                                        <p:cTn id="11" dur="1" fill="hold">
+                                          <p:stCondLst>
+                                            <p:cond delay="0"/>
+                                          </p:stCondLst>
+                                        </p:cTn>
+                                        <p:tgtEl>
+                                          <p:spTgt spid="6"/>
+                                        </p:tgtEl>
+                                        <p:attrNameLst>
+                                          <p:attrName>style.visibility</p:attrName>
+                                        </p:attrNameLst>
+                                      </p:cBhvr>
+                                      <p:to>
+                                        <p:strVal val="visible"/>
+                                      </p:to>
+                                    </p:set>
+                                    <p:animEffect transition="in" filter="box(in)">
+                                      <p:cBhvr>
+                                        <p:cTn id="12" dur="2000"/>
+                                        <p:tgtEl>
+                                          <p:spTgt spid="6"/>
+                                        </p:tgtEl>
+                                      </p:cBhvr>
+                                    </p:animEffect>
+                                  </p:childTnLst>
+                                </p:cTn>
+                              </p:par>
+                            </p:childTnLst>
+                          </p:cTn>
+                        </p:par>
+                      </p:childTnLst>
+                    </p:cTn>
+                  </p:par>
+                </p:childTnLst>
+              </p:cTn>
+              <p:prevCondLst>
+                <p:cond evt="onPrev" delay="0">
+                  <p:tgtEl>
+                    <p:sldTgt/>
+                  </p:tgtEl>
+                </p:cond>
+              </p:prevCondLst>
+              <p:nextCondLst>
+                <p:cond evt="onNext" delay="0">
+                  <p:tgtEl>
+                    <p:sldTgt/>
+                  </p:tgtEl>
+                </p:cond>
+              </p:nextCondLst>
+            </p:seq>
+          </p:childTnLst>
+        </p:cTn>
+      </p:par>
+    </p:tnLst>
+    <p:bldLst>
+      <p:bldP spid="6" grpId="0"/>
+      <p:bldP spid="7" grpId="0"/>
     </p:bldLst>
   </p:timing>
 </p:sld>
